--- a/fuentes/contenidos/grado11/guion08/CN_11_08_CO.pptx
+++ b/fuentes/contenidos/grado11/guion08/CN_11_08_CO.pptx
@@ -1088,8 +1088,8 @@
         </p:nvCxnSpPr>
         <p:spPr>
           <a:xfrm rot="16200000" flipH="1">
-            <a:off x="5875739" y="3465399"/>
-            <a:ext cx="461935" cy="2422"/>
+            <a:off x="5860350" y="3450010"/>
+            <a:ext cx="492713" cy="2422"/>
           </a:xfrm>
           <a:prstGeom prst="bentConnector3">
             <a:avLst/>
@@ -1166,8 +1166,8 @@
         </p:nvCxnSpPr>
         <p:spPr>
           <a:xfrm flipH="1">
-            <a:off x="8438487" y="3983244"/>
-            <a:ext cx="42146" cy="492074"/>
+            <a:off x="8438487" y="3798578"/>
+            <a:ext cx="42146" cy="676740"/>
           </a:xfrm>
           <a:prstGeom prst="line">
             <a:avLst/>
@@ -1360,7 +1360,7 @@
         <p:spPr>
           <a:xfrm rot="5400000">
             <a:off x="4720839" y="2271245"/>
-            <a:ext cx="744557" cy="552558"/>
+            <a:ext cx="744558" cy="552559"/>
           </a:xfrm>
           <a:prstGeom prst="bentConnector3">
             <a:avLst>
@@ -1399,8 +1399,8 @@
         </p:nvCxnSpPr>
         <p:spPr>
           <a:xfrm rot="5400000">
-            <a:off x="7025579" y="3983172"/>
-            <a:ext cx="595941" cy="15680"/>
+            <a:off x="7017884" y="3975478"/>
+            <a:ext cx="611330" cy="15680"/>
           </a:xfrm>
           <a:prstGeom prst="bentConnector3">
             <a:avLst/>
@@ -1683,50 +1683,7 @@
         <p:spPr>
           <a:xfrm>
             <a:off x="4342276" y="2919803"/>
-            <a:ext cx="949123" cy="246221"/>
-          </a:xfrm>
-          <a:prstGeom prst="rect">
-            <a:avLst/>
-          </a:prstGeom>
-          <a:solidFill>
-            <a:schemeClr val="bg2">
-              <a:lumMod val="50000"/>
-            </a:schemeClr>
-          </a:solidFill>
-          <a:ln>
-            <a:solidFill>
-              <a:schemeClr val="tx1"/>
-            </a:solidFill>
-          </a:ln>
-        </p:spPr>
-        <p:txBody>
-          <a:bodyPr wrap="square" rtlCol="0">
-            <a:spAutoFit/>
-          </a:bodyPr>
-          <a:lstStyle/>
-          <a:p>
-            <a:pPr algn="ctr"/>
-            <a:r>
-              <a:rPr lang="es-ES" sz="1000" dirty="0">
-                <a:solidFill>
-                  <a:schemeClr val="bg1"/>
-                </a:solidFill>
-              </a:rPr>
-              <a:t>carga</a:t>
-            </a:r>
-          </a:p>
-        </p:txBody>
-      </p:sp>
-      <p:sp>
-        <p:nvSpPr>
-          <p:cNvPr id="97" name="96 CuadroTexto"/>
-          <p:cNvSpPr txBox="1"/>
-          <p:nvPr/>
-        </p:nvSpPr>
-        <p:spPr>
-          <a:xfrm>
-            <a:off x="4249964" y="3710346"/>
-            <a:ext cx="1118196" cy="1061829"/>
+            <a:ext cx="949123" cy="230832"/>
           </a:xfrm>
           <a:prstGeom prst="rect">
             <a:avLst/>
@@ -1746,34 +1703,82 @@
           <a:bodyPr wrap="square" rtlCol="0">
             <a:spAutoFit/>
           </a:bodyPr>
-          <a:lstStyle/>
-          <a:p>
-            <a:pPr marL="171450" indent="-171450">
+          <a:lstStyle>
+            <a:defPPr>
+              <a:defRPr lang="es-ES"/>
+            </a:defPPr>
+            <a:lvl1pPr algn="ctr">
+              <a:defRPr sz="900"/>
+            </a:lvl1pPr>
+          </a:lstStyle>
+          <a:p>
+            <a:r>
+              <a:rPr lang="es-ES" dirty="0"/>
+              <a:t>carga</a:t>
+            </a:r>
+          </a:p>
+        </p:txBody>
+      </p:sp>
+      <p:sp>
+        <p:nvSpPr>
+          <p:cNvPr id="97" name="96 CuadroTexto"/>
+          <p:cNvSpPr txBox="1"/>
+          <p:nvPr/>
+        </p:nvSpPr>
+        <p:spPr>
+          <a:xfrm>
+            <a:off x="4249964" y="3710346"/>
+            <a:ext cx="1118196" cy="1061829"/>
+          </a:xfrm>
+          <a:prstGeom prst="rect">
+            <a:avLst/>
+          </a:prstGeom>
+          <a:noFill/>
+          <a:ln>
+            <a:solidFill>
+              <a:schemeClr val="tx1"/>
+            </a:solidFill>
+          </a:ln>
+        </p:spPr>
+        <p:txBody>
+          <a:bodyPr wrap="square" rtlCol="0">
+            <a:spAutoFit/>
+          </a:bodyPr>
+          <a:lstStyle>
+            <a:defPPr>
+              <a:defRPr lang="es-ES"/>
+            </a:defPPr>
+            <a:lvl1pPr algn="ctr">
+              <a:defRPr sz="900"/>
+            </a:lvl1pPr>
+          </a:lstStyle>
+          <a:p>
+            <a:pPr marL="171450" indent="-171450" algn="l">
               <a:buFont typeface="Arial" panose="020B0604020202020204" pitchFamily="34" charset="0"/>
               <a:buChar char="•"/>
             </a:pPr>
             <a:r>
-              <a:rPr lang="es-ES" sz="900" dirty="0"/>
+              <a:rPr lang="es-ES" dirty="0"/>
               <a:t>velocidad (Vector)</a:t>
             </a:r>
           </a:p>
           <a:p>
-            <a:pPr marL="171450" indent="-171450">
+            <a:pPr marL="171450" indent="-171450" algn="l">
               <a:buFont typeface="Arial" panose="020B0604020202020204" pitchFamily="34" charset="0"/>
               <a:buChar char="•"/>
             </a:pPr>
             <a:r>
-              <a:rPr lang="es-ES" sz="900" dirty="0"/>
+              <a:rPr lang="es-ES" dirty="0"/>
               <a:t>valor de carga</a:t>
             </a:r>
           </a:p>
           <a:p>
-            <a:pPr marL="171450" indent="-171450">
+            <a:pPr marL="171450" indent="-171450" algn="l">
               <a:buFont typeface="Arial" panose="020B0604020202020204" pitchFamily="34" charset="0"/>
               <a:buChar char="•"/>
             </a:pPr>
             <a:r>
-              <a:rPr lang="es-ES" sz="900" dirty="0"/>
+              <a:rPr lang="es-ES" dirty="0"/>
               <a:t>magnitud y dirección del campo magnético</a:t>
             </a:r>
           </a:p>
@@ -1867,8 +1872,8 @@
         </p:nvCxnSpPr>
         <p:spPr>
           <a:xfrm rot="5400000">
-            <a:off x="4540789" y="3434297"/>
-            <a:ext cx="544322" cy="7776"/>
+            <a:off x="4533095" y="3426602"/>
+            <a:ext cx="559711" cy="7776"/>
           </a:xfrm>
           <a:prstGeom prst="bentConnector3">
             <a:avLst/>
@@ -2587,14 +2592,14 @@
         <p:spPr>
           <a:xfrm>
             <a:off x="5474523" y="2835533"/>
-            <a:ext cx="1261943" cy="400110"/>
-          </a:xfrm>
-          <a:prstGeom prst="rect">
-            <a:avLst/>
-          </a:prstGeom>
-          <a:solidFill>
-            <a:schemeClr val="bg2">
-              <a:lumMod val="50000"/>
+            <a:ext cx="1261943" cy="369332"/>
+          </a:xfrm>
+          <a:prstGeom prst="rect">
+            <a:avLst/>
+          </a:prstGeom>
+          <a:solidFill>
+            <a:schemeClr val="bg1">
+              <a:lumMod val="75000"/>
             </a:schemeClr>
           </a:solidFill>
           <a:ln>
@@ -2607,15 +2612,17 @@
           <a:bodyPr wrap="square" rtlCol="0">
             <a:spAutoFit/>
           </a:bodyPr>
-          <a:lstStyle/>
-          <a:p>
-            <a:pPr algn="ctr"/>
-            <a:r>
-              <a:rPr lang="es-ES" sz="1000" dirty="0">
-                <a:solidFill>
-                  <a:schemeClr val="bg1"/>
-                </a:solidFill>
-              </a:rPr>
+          <a:lstStyle>
+            <a:defPPr>
+              <a:defRPr lang="es-ES"/>
+            </a:defPPr>
+            <a:lvl1pPr algn="ctr">
+              <a:defRPr sz="900"/>
+            </a:lvl1pPr>
+          </a:lstStyle>
+          <a:p>
+            <a:r>
+              <a:rPr lang="es-ES" dirty="0"/>
               <a:t>alambre portador corriente</a:t>
             </a:r>
           </a:p>
@@ -2788,49 +2795,42 @@
           <a:prstGeom prst="rect">
             <a:avLst/>
           </a:prstGeom>
-          <a:solidFill>
-            <a:schemeClr val="bg1">
-              <a:lumMod val="75000"/>
-            </a:schemeClr>
-          </a:solidFill>
-          <a:ln>
-            <a:solidFill>
-              <a:schemeClr val="tx1"/>
-            </a:solidFill>
-          </a:ln>
-        </p:spPr>
-        <p:txBody>
-          <a:bodyPr wrap="square" rtlCol="0">
-            <a:spAutoFit/>
-          </a:bodyPr>
-          <a:lstStyle/>
-          <a:p>
-            <a:pPr marL="171450" indent="-171450">
+          <a:noFill/>
+          <a:ln>
+            <a:solidFill>
+              <a:schemeClr val="tx1"/>
+            </a:solidFill>
+          </a:ln>
+        </p:spPr>
+        <p:txBody>
+          <a:bodyPr wrap="square" rtlCol="0">
+            <a:spAutoFit/>
+          </a:bodyPr>
+          <a:lstStyle>
+            <a:defPPr>
+              <a:defRPr lang="es-ES"/>
+            </a:defPPr>
+            <a:lvl1pPr marL="171450" indent="-171450">
               <a:buFont typeface="Arial" panose="020B0604020202020204" pitchFamily="34" charset="0"/>
               <a:buChar char="•"/>
-            </a:pPr>
-            <a:r>
-              <a:rPr lang="es-ES" sz="900" dirty="0"/>
+              <a:defRPr sz="900"/>
+            </a:lvl1pPr>
+          </a:lstStyle>
+          <a:p>
+            <a:r>
+              <a:rPr lang="es-ES" dirty="0"/>
               <a:t>longitud</a:t>
             </a:r>
           </a:p>
           <a:p>
-            <a:pPr marL="171450" indent="-171450">
-              <a:buFont typeface="Arial" panose="020B0604020202020204" pitchFamily="34" charset="0"/>
-              <a:buChar char="•"/>
-            </a:pPr>
-            <a:r>
-              <a:rPr lang="es-ES" sz="900" dirty="0"/>
+            <a:r>
+              <a:rPr lang="es-ES" dirty="0"/>
               <a:t>dirección de la corriente</a:t>
             </a:r>
           </a:p>
           <a:p>
-            <a:pPr marL="171450" indent="-171450">
-              <a:buFont typeface="Arial" panose="020B0604020202020204" pitchFamily="34" charset="0"/>
-              <a:buChar char="•"/>
-            </a:pPr>
-            <a:r>
-              <a:rPr lang="es-ES" sz="900" dirty="0"/>
+            <a:r>
+              <a:rPr lang="es-ES" dirty="0"/>
               <a:t>magnitud y dirección del campo magnético</a:t>
             </a:r>
           </a:p>
@@ -3095,106 +3095,7 @@
         <p:spPr>
           <a:xfrm>
             <a:off x="6856827" y="3446821"/>
-            <a:ext cx="949123" cy="246221"/>
-          </a:xfrm>
-          <a:prstGeom prst="rect">
-            <a:avLst/>
-          </a:prstGeom>
-          <a:solidFill>
-            <a:schemeClr val="bg2">
-              <a:lumMod val="50000"/>
-            </a:schemeClr>
-          </a:solidFill>
-          <a:ln>
-            <a:solidFill>
-              <a:schemeClr val="tx1"/>
-            </a:solidFill>
-          </a:ln>
-        </p:spPr>
-        <p:txBody>
-          <a:bodyPr wrap="square" rtlCol="0">
-            <a:spAutoFit/>
-          </a:bodyPr>
-          <a:lstStyle/>
-          <a:p>
-            <a:pPr algn="ctr"/>
-            <a:r>
-              <a:rPr lang="es-ES" sz="1000" dirty="0">
-                <a:solidFill>
-                  <a:schemeClr val="bg1"/>
-                </a:solidFill>
-              </a:rPr>
-              <a:t>Ley </a:t>
-            </a:r>
-            <a:r>
-              <a:rPr lang="es-ES" sz="1000" dirty="0" err="1">
-                <a:solidFill>
-                  <a:schemeClr val="bg1"/>
-                </a:solidFill>
-              </a:rPr>
-              <a:t>Ampère</a:t>
-            </a:r>
-            <a:endParaRPr lang="es-ES" sz="1000" dirty="0">
-              <a:solidFill>
-                <a:schemeClr val="bg1"/>
-              </a:solidFill>
-            </a:endParaRPr>
-          </a:p>
-        </p:txBody>
-      </p:sp>
-      <p:sp>
-        <p:nvSpPr>
-          <p:cNvPr id="240" name="239 CuadroTexto"/>
-          <p:cNvSpPr txBox="1"/>
-          <p:nvPr/>
-        </p:nvSpPr>
-        <p:spPr>
-          <a:xfrm>
-            <a:off x="7960228" y="3429246"/>
-            <a:ext cx="1040809" cy="553998"/>
-          </a:xfrm>
-          <a:prstGeom prst="rect">
-            <a:avLst/>
-          </a:prstGeom>
-          <a:solidFill>
-            <a:schemeClr val="bg2">
-              <a:lumMod val="50000"/>
-            </a:schemeClr>
-          </a:solidFill>
-          <a:ln>
-            <a:solidFill>
-              <a:schemeClr val="tx1"/>
-            </a:solidFill>
-          </a:ln>
-        </p:spPr>
-        <p:txBody>
-          <a:bodyPr wrap="square" rtlCol="0">
-            <a:spAutoFit/>
-          </a:bodyPr>
-          <a:lstStyle/>
-          <a:p>
-            <a:pPr algn="ctr"/>
-            <a:r>
-              <a:rPr lang="es-ES" sz="1000" dirty="0">
-                <a:solidFill>
-                  <a:schemeClr val="bg1"/>
-                </a:solidFill>
-              </a:rPr>
-              <a:t>Ley de inducción de Faraday</a:t>
-            </a:r>
-          </a:p>
-        </p:txBody>
-      </p:sp>
-      <p:sp>
-        <p:nvSpPr>
-          <p:cNvPr id="242" name="241 CuadroTexto"/>
-          <p:cNvSpPr txBox="1"/>
-          <p:nvPr/>
-        </p:nvSpPr>
-        <p:spPr>
-          <a:xfrm>
-            <a:off x="6887226" y="4288983"/>
-            <a:ext cx="856966" cy="784830"/>
+            <a:ext cx="949123" cy="230832"/>
           </a:xfrm>
           <a:prstGeom prst="rect">
             <a:avLst/>
@@ -3214,26 +3115,37 @@
           <a:bodyPr wrap="square" rtlCol="0">
             <a:spAutoFit/>
           </a:bodyPr>
-          <a:lstStyle/>
-          <a:p>
-            <a:pPr algn="ctr"/>
-            <a:r>
-              <a:rPr lang="es-ES" sz="900" dirty="0"/>
-              <a:t>Calcular el campo magnético en conductores de corriente</a:t>
-            </a:r>
-          </a:p>
-        </p:txBody>
-      </p:sp>
-      <p:sp>
-        <p:nvSpPr>
-          <p:cNvPr id="245" name="244 CuadroTexto"/>
-          <p:cNvSpPr txBox="1"/>
-          <p:nvPr/>
-        </p:nvSpPr>
-        <p:spPr>
-          <a:xfrm>
-            <a:off x="7977806" y="4475318"/>
-            <a:ext cx="921361" cy="784830"/>
+          <a:lstStyle>
+            <a:defPPr>
+              <a:defRPr lang="es-ES"/>
+            </a:defPPr>
+            <a:lvl1pPr algn="ctr">
+              <a:defRPr sz="900"/>
+            </a:lvl1pPr>
+          </a:lstStyle>
+          <a:p>
+            <a:r>
+              <a:rPr lang="es-ES" dirty="0"/>
+              <a:t>Ley </a:t>
+            </a:r>
+            <a:r>
+              <a:rPr lang="es-ES" dirty="0" err="1"/>
+              <a:t>Ampère</a:t>
+            </a:r>
+            <a:endParaRPr lang="es-ES" dirty="0"/>
+          </a:p>
+        </p:txBody>
+      </p:sp>
+      <p:sp>
+        <p:nvSpPr>
+          <p:cNvPr id="240" name="239 CuadroTexto"/>
+          <p:cNvSpPr txBox="1"/>
+          <p:nvPr/>
+        </p:nvSpPr>
+        <p:spPr>
+          <a:xfrm>
+            <a:off x="7960228" y="3429246"/>
+            <a:ext cx="1040809" cy="369332"/>
           </a:xfrm>
           <a:prstGeom prst="rect">
             <a:avLst/>
@@ -3253,17 +3165,104 @@
           <a:bodyPr wrap="square" rtlCol="0">
             <a:spAutoFit/>
           </a:bodyPr>
-          <a:lstStyle/>
-          <a:p>
-            <a:pPr algn="ctr"/>
-            <a:r>
-              <a:rPr lang="es-ES" sz="900" dirty="0"/>
+          <a:lstStyle>
+            <a:defPPr>
+              <a:defRPr lang="es-ES"/>
+            </a:defPPr>
+            <a:lvl1pPr algn="ctr">
+              <a:defRPr sz="900"/>
+            </a:lvl1pPr>
+          </a:lstStyle>
+          <a:p>
+            <a:r>
+              <a:rPr lang="es-ES" dirty="0"/>
+              <a:t>Ley de inducción de Faraday</a:t>
+            </a:r>
+          </a:p>
+        </p:txBody>
+      </p:sp>
+      <p:sp>
+        <p:nvSpPr>
+          <p:cNvPr id="242" name="241 CuadroTexto"/>
+          <p:cNvSpPr txBox="1"/>
+          <p:nvPr/>
+        </p:nvSpPr>
+        <p:spPr>
+          <a:xfrm>
+            <a:off x="6887226" y="4288983"/>
+            <a:ext cx="856966" cy="784830"/>
+          </a:xfrm>
+          <a:prstGeom prst="rect">
+            <a:avLst/>
+          </a:prstGeom>
+          <a:noFill/>
+          <a:ln>
+            <a:solidFill>
+              <a:schemeClr val="tx1"/>
+            </a:solidFill>
+          </a:ln>
+        </p:spPr>
+        <p:txBody>
+          <a:bodyPr wrap="square" rtlCol="0">
+            <a:spAutoFit/>
+          </a:bodyPr>
+          <a:lstStyle>
+            <a:defPPr>
+              <a:defRPr lang="es-ES"/>
+            </a:defPPr>
+            <a:lvl1pPr algn="ctr">
+              <a:defRPr sz="900"/>
+            </a:lvl1pPr>
+          </a:lstStyle>
+          <a:p>
+            <a:r>
+              <a:rPr lang="es-ES" dirty="0"/>
+              <a:t>Calcular el campo magnético en conductores de corriente</a:t>
+            </a:r>
+          </a:p>
+        </p:txBody>
+      </p:sp>
+      <p:sp>
+        <p:nvSpPr>
+          <p:cNvPr id="245" name="244 CuadroTexto"/>
+          <p:cNvSpPr txBox="1"/>
+          <p:nvPr/>
+        </p:nvSpPr>
+        <p:spPr>
+          <a:xfrm>
+            <a:off x="7977806" y="4475318"/>
+            <a:ext cx="921361" cy="784830"/>
+          </a:xfrm>
+          <a:prstGeom prst="rect">
+            <a:avLst/>
+          </a:prstGeom>
+          <a:noFill/>
+          <a:ln>
+            <a:solidFill>
+              <a:schemeClr val="tx1"/>
+            </a:solidFill>
+          </a:ln>
+        </p:spPr>
+        <p:txBody>
+          <a:bodyPr wrap="square" rtlCol="0">
+            <a:spAutoFit/>
+          </a:bodyPr>
+          <a:lstStyle>
+            <a:defPPr>
+              <a:defRPr lang="es-ES"/>
+            </a:defPPr>
+            <a:lvl1pPr algn="ctr">
+              <a:defRPr sz="900"/>
+            </a:lvl1pPr>
+          </a:lstStyle>
+          <a:p>
+            <a:r>
+              <a:rPr lang="es-ES" dirty="0"/>
               <a:t>FEM inducida y el lujo de campo magnético</a:t>
             </a:r>
           </a:p>
           <a:p>
-            <a:pPr algn="ctr"/>
-            <a:endParaRPr lang="es-ES" sz="900" dirty="0"/>
+            <a:endParaRPr lang="es-ES" dirty="0"/>
           </a:p>
         </p:txBody>
       </p:sp>
@@ -3281,26 +3280,28 @@
           <a:prstGeom prst="rect">
             <a:avLst/>
           </a:prstGeom>
-          <a:solidFill>
-            <a:schemeClr val="bg1">
-              <a:lumMod val="75000"/>
-            </a:schemeClr>
-          </a:solidFill>
-          <a:ln>
-            <a:solidFill>
-              <a:schemeClr val="tx1"/>
-            </a:solidFill>
-          </a:ln>
-        </p:spPr>
-        <p:txBody>
-          <a:bodyPr wrap="square" rtlCol="0">
-            <a:spAutoFit/>
-          </a:bodyPr>
-          <a:lstStyle/>
-          <a:p>
-            <a:pPr algn="ctr"/>
-            <a:r>
-              <a:rPr lang="es-ES" sz="900" dirty="0"/>
+          <a:noFill/>
+          <a:ln>
+            <a:solidFill>
+              <a:schemeClr val="tx1"/>
+            </a:solidFill>
+          </a:ln>
+        </p:spPr>
+        <p:txBody>
+          <a:bodyPr wrap="square" rtlCol="0">
+            <a:spAutoFit/>
+          </a:bodyPr>
+          <a:lstStyle>
+            <a:defPPr>
+              <a:defRPr lang="es-ES"/>
+            </a:defPPr>
+            <a:lvl1pPr algn="ctr">
+              <a:defRPr sz="900"/>
+            </a:lvl1pPr>
+          </a:lstStyle>
+          <a:p>
+            <a:r>
+              <a:rPr lang="es-ES" dirty="0"/>
               <a:t>Ley de Lenz</a:t>
             </a:r>
           </a:p>
@@ -3694,22 +3695,32 @@
           <a:prstGeom prst="rect">
             <a:avLst/>
           </a:prstGeom>
-          <a:noFill/>
-          <a:ln>
-            <a:solidFill>
-              <a:schemeClr val="tx1"/>
-            </a:solidFill>
-          </a:ln>
-        </p:spPr>
-        <p:txBody>
-          <a:bodyPr wrap="square" rtlCol="0">
-            <a:spAutoFit/>
-          </a:bodyPr>
-          <a:lstStyle/>
-          <a:p>
-            <a:pPr algn="ctr"/>
-            <a:r>
-              <a:rPr lang="es-ES" sz="900" dirty="0"/>
+          <a:solidFill>
+            <a:schemeClr val="bg1">
+              <a:lumMod val="75000"/>
+            </a:schemeClr>
+          </a:solidFill>
+          <a:ln>
+            <a:solidFill>
+              <a:schemeClr val="tx1"/>
+            </a:solidFill>
+          </a:ln>
+        </p:spPr>
+        <p:txBody>
+          <a:bodyPr wrap="square" rtlCol="0">
+            <a:spAutoFit/>
+          </a:bodyPr>
+          <a:lstStyle>
+            <a:defPPr>
+              <a:defRPr lang="es-ES"/>
+            </a:defPPr>
+            <a:lvl1pPr algn="ctr">
+              <a:defRPr sz="900"/>
+            </a:lvl1pPr>
+          </a:lstStyle>
+          <a:p>
+            <a:r>
+              <a:rPr lang="es-ES" dirty="0"/>
               <a:t>magnitud del campo magnético</a:t>
             </a:r>
           </a:p>
@@ -3869,40 +3880,43 @@
         <p:spPr>
           <a:xfrm>
             <a:off x="3069847" y="2949487"/>
-            <a:ext cx="866035" cy="1200329"/>
-          </a:xfrm>
-          <a:prstGeom prst="rect">
-            <a:avLst/>
-          </a:prstGeom>
-          <a:noFill/>
-          <a:ln>
-            <a:solidFill>
-              <a:schemeClr val="tx1"/>
-            </a:solidFill>
-          </a:ln>
-        </p:spPr>
-        <p:txBody>
-          <a:bodyPr wrap="square" rtlCol="0">
-            <a:spAutoFit/>
-          </a:bodyPr>
-          <a:lstStyle/>
-          <a:p>
-            <a:pPr marL="171450" indent="-171450">
-              <a:buFont typeface="Arial" panose="020B0604020202020204" pitchFamily="34" charset="0"/>
-              <a:buChar char="•"/>
-            </a:pPr>
-            <a:r>
-              <a:rPr lang="es-ES" sz="900" dirty="0"/>
+            <a:ext cx="866035" cy="1061829"/>
+          </a:xfrm>
+          <a:prstGeom prst="rect">
+            <a:avLst/>
+          </a:prstGeom>
+          <a:solidFill>
+            <a:schemeClr val="bg1">
+              <a:lumMod val="75000"/>
+            </a:schemeClr>
+          </a:solidFill>
+          <a:ln>
+            <a:solidFill>
+              <a:schemeClr val="tx1"/>
+            </a:solidFill>
+          </a:ln>
+        </p:spPr>
+        <p:txBody>
+          <a:bodyPr wrap="square" rtlCol="0">
+            <a:spAutoFit/>
+          </a:bodyPr>
+          <a:lstStyle>
+            <a:defPPr>
+              <a:defRPr lang="es-ES"/>
+            </a:defPPr>
+            <a:lvl1pPr algn="ctr">
+              <a:defRPr sz="900"/>
+            </a:lvl1pPr>
+          </a:lstStyle>
+          <a:p>
+            <a:r>
+              <a:rPr lang="es-ES" dirty="0"/>
               <a:t>norte geográfico en el sur magnético</a:t>
             </a:r>
           </a:p>
           <a:p>
-            <a:pPr marL="171450" indent="-171450">
-              <a:buFont typeface="Arial" panose="020B0604020202020204" pitchFamily="34" charset="0"/>
-              <a:buChar char="•"/>
-            </a:pPr>
-            <a:r>
-              <a:rPr lang="es-ES" sz="900" dirty="0"/>
+            <a:r>
+              <a:rPr lang="es-ES" dirty="0"/>
               <a:t>sur geográfico en el norte magnético</a:t>
             </a:r>
           </a:p>
@@ -3918,8 +3932,8 @@
         </p:nvCxnSpPr>
         <p:spPr>
           <a:xfrm rot="16200000" flipH="1">
-            <a:off x="2896783" y="2343404"/>
-            <a:ext cx="683561" cy="528603"/>
+            <a:off x="2896782" y="2343404"/>
+            <a:ext cx="683562" cy="528603"/>
           </a:xfrm>
           <a:prstGeom prst="bentConnector3">
             <a:avLst/>
